--- a/Data/ModelsOfApplications.pptx
+++ b/Data/ModelsOfApplications.pptx
@@ -252,7 +252,7 @@
           <a:p>
             <a:fld id="{D2FB9757-18E0-48FC-ADE2-F262FAB6A990}" type="datetimeFigureOut">
               <a:rPr lang="en-US" smtClean="0"/>
-              <a:t>11/23/2019</a:t>
+              <a:t>11/29/2019</a:t>
             </a:fld>
             <a:endParaRPr lang="en-US"/>
           </a:p>
@@ -422,7 +422,7 @@
           <a:p>
             <a:fld id="{D2FB9757-18E0-48FC-ADE2-F262FAB6A990}" type="datetimeFigureOut">
               <a:rPr lang="en-US" smtClean="0"/>
-              <a:t>11/23/2019</a:t>
+              <a:t>11/29/2019</a:t>
             </a:fld>
             <a:endParaRPr lang="en-US"/>
           </a:p>
@@ -602,7 +602,7 @@
           <a:p>
             <a:fld id="{D2FB9757-18E0-48FC-ADE2-F262FAB6A990}" type="datetimeFigureOut">
               <a:rPr lang="en-US" smtClean="0"/>
-              <a:t>11/23/2019</a:t>
+              <a:t>11/29/2019</a:t>
             </a:fld>
             <a:endParaRPr lang="en-US"/>
           </a:p>
@@ -772,7 +772,7 @@
           <a:p>
             <a:fld id="{D2FB9757-18E0-48FC-ADE2-F262FAB6A990}" type="datetimeFigureOut">
               <a:rPr lang="en-US" smtClean="0"/>
-              <a:t>11/23/2019</a:t>
+              <a:t>11/29/2019</a:t>
             </a:fld>
             <a:endParaRPr lang="en-US"/>
           </a:p>
@@ -1016,7 +1016,7 @@
           <a:p>
             <a:fld id="{D2FB9757-18E0-48FC-ADE2-F262FAB6A990}" type="datetimeFigureOut">
               <a:rPr lang="en-US" smtClean="0"/>
-              <a:t>11/23/2019</a:t>
+              <a:t>11/29/2019</a:t>
             </a:fld>
             <a:endParaRPr lang="en-US"/>
           </a:p>
@@ -1248,7 +1248,7 @@
           <a:p>
             <a:fld id="{D2FB9757-18E0-48FC-ADE2-F262FAB6A990}" type="datetimeFigureOut">
               <a:rPr lang="en-US" smtClean="0"/>
-              <a:t>11/23/2019</a:t>
+              <a:t>11/29/2019</a:t>
             </a:fld>
             <a:endParaRPr lang="en-US"/>
           </a:p>
@@ -1615,7 +1615,7 @@
           <a:p>
             <a:fld id="{D2FB9757-18E0-48FC-ADE2-F262FAB6A990}" type="datetimeFigureOut">
               <a:rPr lang="en-US" smtClean="0"/>
-              <a:t>11/23/2019</a:t>
+              <a:t>11/29/2019</a:t>
             </a:fld>
             <a:endParaRPr lang="en-US"/>
           </a:p>
@@ -1733,7 +1733,7 @@
           <a:p>
             <a:fld id="{D2FB9757-18E0-48FC-ADE2-F262FAB6A990}" type="datetimeFigureOut">
               <a:rPr lang="en-US" smtClean="0"/>
-              <a:t>11/23/2019</a:t>
+              <a:t>11/29/2019</a:t>
             </a:fld>
             <a:endParaRPr lang="en-US"/>
           </a:p>
@@ -1828,7 +1828,7 @@
           <a:p>
             <a:fld id="{D2FB9757-18E0-48FC-ADE2-F262FAB6A990}" type="datetimeFigureOut">
               <a:rPr lang="en-US" smtClean="0"/>
-              <a:t>11/23/2019</a:t>
+              <a:t>11/29/2019</a:t>
             </a:fld>
             <a:endParaRPr lang="en-US"/>
           </a:p>
@@ -2105,7 +2105,7 @@
           <a:p>
             <a:fld id="{D2FB9757-18E0-48FC-ADE2-F262FAB6A990}" type="datetimeFigureOut">
               <a:rPr lang="en-US" smtClean="0"/>
-              <a:t>11/23/2019</a:t>
+              <a:t>11/29/2019</a:t>
             </a:fld>
             <a:endParaRPr lang="en-US"/>
           </a:p>
@@ -2362,7 +2362,7 @@
           <a:p>
             <a:fld id="{D2FB9757-18E0-48FC-ADE2-F262FAB6A990}" type="datetimeFigureOut">
               <a:rPr lang="en-US" smtClean="0"/>
-              <a:t>11/23/2019</a:t>
+              <a:t>11/29/2019</a:t>
             </a:fld>
             <a:endParaRPr lang="en-US"/>
           </a:p>
@@ -2575,7 +2575,7 @@
           <a:p>
             <a:fld id="{D2FB9757-18E0-48FC-ADE2-F262FAB6A990}" type="datetimeFigureOut">
               <a:rPr lang="en-US" smtClean="0"/>
-              <a:t>11/23/2019</a:t>
+              <a:t>11/29/2019</a:t>
             </a:fld>
             <a:endParaRPr lang="en-US"/>
           </a:p>
@@ -9178,7 +9178,7 @@
                 </a:solidFill>
                 <a:latin typeface="Arial"/>
               </a:rPr>
-              <a:t> </a:t>
+              <a:t>-API </a:t>
             </a:r>
             <a:endParaRPr lang="en-US" sz="2520" spc="-1" dirty="0">
               <a:latin typeface="Arial"/>
@@ -26776,45 +26776,7 @@
             <a:solidFill>
               <a:schemeClr val="tx1"/>
             </a:solidFill>
-            <a:tailEnd type="triangle" w="lg" len="lg"/>
-          </a:ln>
-        </p:spPr>
-        <p:style>
-          <a:lnRef idx="1">
-            <a:schemeClr val="accent1"/>
-          </a:lnRef>
-          <a:fillRef idx="0">
-            <a:schemeClr val="accent1"/>
-          </a:fillRef>
-          <a:effectRef idx="0">
-            <a:schemeClr val="accent1"/>
-          </a:effectRef>
-          <a:fontRef idx="minor">
-            <a:schemeClr val="tx1"/>
-          </a:fontRef>
-        </p:style>
-      </p:cxnSp>
-      <p:cxnSp>
-        <p:nvCxnSpPr>
-          <p:cNvPr id="26" name="Gerade Verbindung mit Pfeil 25"/>
-          <p:cNvCxnSpPr>
-            <a:stCxn id="71" idx="2"/>
-            <a:endCxn id="69" idx="3"/>
-          </p:cNvCxnSpPr>
-          <p:nvPr/>
-        </p:nvCxnSpPr>
-        <p:spPr>
-          <a:xfrm>
-            <a:off x="4768515" y="2675617"/>
-            <a:ext cx="2289583" cy="4744956"/>
-          </a:xfrm>
-          <a:prstGeom prst="straightConnector1">
-            <a:avLst/>
-          </a:prstGeom>
-          <a:ln w="19050">
-            <a:solidFill>
-              <a:schemeClr val="tx1"/>
-            </a:solidFill>
+            <a:headEnd type="triangle" w="lg" len="lg"/>
             <a:tailEnd type="triangle" w="lg" len="lg"/>
           </a:ln>
         </p:spPr>
